--- a/122/NETCONF/draft-ietf-netconf-udp-client-server-06.pptx
+++ b/122/NETCONF/draft-ietf-netconf-udp-client-server-06.pptx
@@ -16470,7 +16470,7 @@
             </a:pPr>
             <a:r>
               <a:rPr lang="de-CH" sz="1900"/>
-              <a:t>Editorial changes (+ add consistency with RFC 9643)</a:t>
+              <a:t>Editorial changes (+ add consistency with RFC 9643 [TCP groupings])</a:t>
             </a:r>
             <a:endParaRPr sz="1900"/>
           </a:p>

--- a/122/NETCONF/draft-ietf-netconf-udp-client-server-06.pptx
+++ b/122/NETCONF/draft-ietf-netconf-udp-client-server-06.pptx
@@ -1825,7 +1825,8 @@
               <a:buNone/>
             </a:pPr>
             <a:r>
-              <a:t/>
+              <a:rPr lang="de-CH"/>
+              <a:t>Comment that there was a consistency request from the WG</a:t>
             </a:r>
             <a:endParaRPr/>
           </a:p>
@@ -1879,7 +1880,7 @@
   <p:cSld>
     <p:spTree>
       <p:nvGrpSpPr>
-        <p:cNvPr id="102" name="Shape 102"/>
+        <p:cNvPr id="103" name="Shape 103"/>
         <p:cNvGrpSpPr/>
         <p:nvPr/>
       </p:nvGrpSpPr>
@@ -1893,7 +1894,7 @@
       </p:grpSpPr>
       <p:sp>
         <p:nvSpPr>
-          <p:cNvPr id="103" name="Google Shape;103;g30dcc07dc17_1_0:notes"/>
+          <p:cNvPr id="104" name="Google Shape;104;g30dcc07dc17_1_0:notes"/>
           <p:cNvSpPr txBox="1"/>
           <p:nvPr>
             <p:ph idx="1" type="body"/>
@@ -1932,7 +1933,7 @@
       </p:sp>
       <p:sp>
         <p:nvSpPr>
-          <p:cNvPr id="104" name="Google Shape;104;g30dcc07dc17_1_0:notes"/>
+          <p:cNvPr id="105" name="Google Shape;105;g30dcc07dc17_1_0:notes"/>
           <p:cNvSpPr/>
           <p:nvPr>
             <p:ph idx="2" type="sldImg"/>
@@ -1978,7 +1979,7 @@
   <p:cSld>
     <p:spTree>
       <p:nvGrpSpPr>
-        <p:cNvPr id="109" name="Shape 109"/>
+        <p:cNvPr id="110" name="Shape 110"/>
         <p:cNvGrpSpPr/>
         <p:nvPr/>
       </p:nvGrpSpPr>
@@ -1992,7 +1993,7 @@
       </p:grpSpPr>
       <p:sp>
         <p:nvSpPr>
-          <p:cNvPr id="110" name="Google Shape;110;g33a1605ce7f_0_2:notes"/>
+          <p:cNvPr id="111" name="Google Shape;111;g33a1605ce7f_0_2:notes"/>
           <p:cNvSpPr/>
           <p:nvPr>
             <p:ph idx="2" type="sldImg"/>
@@ -2027,7 +2028,7 @@
       </p:sp>
       <p:sp>
         <p:nvSpPr>
-          <p:cNvPr id="111" name="Google Shape;111;g33a1605ce7f_0_2:notes"/>
+          <p:cNvPr id="112" name="Google Shape;112;g33a1605ce7f_0_2:notes"/>
           <p:cNvSpPr txBox="1"/>
           <p:nvPr>
             <p:ph idx="1" type="body"/>
@@ -2066,7 +2067,7 @@
       </p:sp>
       <p:sp>
         <p:nvSpPr>
-          <p:cNvPr id="112" name="Google Shape;112;g33a1605ce7f_0_2:notes"/>
+          <p:cNvPr id="113" name="Google Shape;113;g33a1605ce7f_0_2:notes"/>
           <p:cNvSpPr txBox="1"/>
           <p:nvPr>
             <p:ph idx="12" type="sldNum"/>
@@ -2122,7 +2123,7 @@
   <p:cSld>
     <p:spTree>
       <p:nvGrpSpPr>
-        <p:cNvPr id="115" name="Shape 115"/>
+        <p:cNvPr id="116" name="Shape 116"/>
         <p:cNvGrpSpPr/>
         <p:nvPr/>
       </p:nvGrpSpPr>
@@ -2136,7 +2137,7 @@
       </p:grpSpPr>
       <p:sp>
         <p:nvSpPr>
-          <p:cNvPr id="116" name="Google Shape;116;g30dcc07dc17_0_6:notes"/>
+          <p:cNvPr id="117" name="Google Shape;117;g30dcc07dc17_0_6:notes"/>
           <p:cNvSpPr txBox="1"/>
           <p:nvPr>
             <p:ph idx="1" type="body"/>
@@ -2175,7 +2176,7 @@
       </p:sp>
       <p:sp>
         <p:nvSpPr>
-          <p:cNvPr id="117" name="Google Shape;117;g30dcc07dc17_0_6:notes"/>
+          <p:cNvPr id="118" name="Google Shape;118;g30dcc07dc17_0_6:notes"/>
           <p:cNvSpPr/>
           <p:nvPr>
             <p:ph idx="2" type="sldImg"/>
@@ -16138,7 +16139,7 @@
         </p:nvSpPr>
         <p:spPr>
           <a:xfrm>
-            <a:off x="1098400" y="4664100"/>
+            <a:off x="1098400" y="4130700"/>
             <a:ext cx="9571800" cy="1325700"/>
           </a:xfrm>
           <a:prstGeom prst="rect">
@@ -16249,6 +16250,101 @@
                 <a:sym typeface="Calibri"/>
               </a:rPr>
               <a:t>standalone or with other protocols</a:t>
+            </a:r>
+            <a:endParaRPr sz="2000">
+              <a:solidFill>
+                <a:schemeClr val="dk1"/>
+              </a:solidFill>
+              <a:latin typeface="Calibri"/>
+              <a:ea typeface="Calibri"/>
+              <a:cs typeface="Calibri"/>
+              <a:sym typeface="Calibri"/>
+            </a:endParaRPr>
+          </a:p>
+        </p:txBody>
+      </p:sp>
+      <p:sp>
+        <p:nvSpPr>
+          <p:cNvPr id="102" name="Google Shape;102;p14"/>
+          <p:cNvSpPr txBox="1"/>
+          <p:nvPr/>
+        </p:nvSpPr>
+        <p:spPr>
+          <a:xfrm>
+            <a:off x="1098400" y="5272800"/>
+            <a:ext cx="9571800" cy="1325700"/>
+          </a:xfrm>
+          <a:prstGeom prst="rect">
+            <a:avLst/>
+          </a:prstGeom>
+          <a:noFill/>
+          <a:ln>
+            <a:noFill/>
+          </a:ln>
+        </p:spPr>
+        <p:txBody>
+          <a:bodyPr anchorCtr="0" anchor="t" bIns="91425" lIns="91425" spcFirstLastPara="1" rIns="91425" wrap="square" tIns="91425">
+            <a:noAutofit/>
+          </a:bodyPr>
+          <a:lstStyle/>
+          <a:p>
+            <a:pPr indent="0" lvl="0" marL="0" rtl="0" algn="l">
+              <a:spcBef>
+                <a:spcPts val="0"/>
+              </a:spcBef>
+              <a:spcAft>
+                <a:spcPts val="0"/>
+              </a:spcAft>
+              <a:buNone/>
+            </a:pPr>
+            <a:r>
+              <a:rPr lang="de-CH" sz="2000">
+                <a:solidFill>
+                  <a:schemeClr val="dk1"/>
+                </a:solidFill>
+                <a:latin typeface="Calibri"/>
+                <a:ea typeface="Calibri"/>
+                <a:cs typeface="Calibri"/>
+                <a:sym typeface="Calibri"/>
+              </a:rPr>
+              <a:t>Note:</a:t>
+            </a:r>
+            <a:endParaRPr sz="2000">
+              <a:solidFill>
+                <a:schemeClr val="dk1"/>
+              </a:solidFill>
+              <a:latin typeface="Calibri"/>
+              <a:ea typeface="Calibri"/>
+              <a:cs typeface="Calibri"/>
+              <a:sym typeface="Calibri"/>
+            </a:endParaRPr>
+          </a:p>
+          <a:p>
+            <a:pPr indent="-355600" lvl="0" marL="457200" rtl="0" algn="l">
+              <a:spcBef>
+                <a:spcPts val="0"/>
+              </a:spcBef>
+              <a:spcAft>
+                <a:spcPts val="0"/>
+              </a:spcAft>
+              <a:buClr>
+                <a:schemeClr val="dk1"/>
+              </a:buClr>
+              <a:buSzPts val="2000"/>
+              <a:buFont typeface="Calibri"/>
+              <a:buChar char="-"/>
+            </a:pPr>
+            <a:r>
+              <a:rPr lang="de-CH" sz="2000">
+                <a:solidFill>
+                  <a:schemeClr val="dk1"/>
+                </a:solidFill>
+                <a:latin typeface="Calibri"/>
+                <a:ea typeface="Calibri"/>
+                <a:cs typeface="Calibri"/>
+                <a:sym typeface="Calibri"/>
+              </a:rPr>
+              <a:t>we removed “-grouping” and “-supported” suffixes (as requested by the WG)</a:t>
             </a:r>
             <a:endParaRPr sz="2000">
               <a:solidFill>
@@ -16275,7 +16371,7 @@
   <p:cSld>
     <p:spTree>
       <p:nvGrpSpPr>
-        <p:cNvPr id="105" name="Shape 105"/>
+        <p:cNvPr id="106" name="Shape 106"/>
         <p:cNvGrpSpPr/>
         <p:nvPr/>
       </p:nvGrpSpPr>
@@ -16289,7 +16385,7 @@
       </p:grpSpPr>
       <p:sp>
         <p:nvSpPr>
-          <p:cNvPr id="106" name="Google Shape;106;p15"/>
+          <p:cNvPr id="107" name="Google Shape;107;p15"/>
           <p:cNvSpPr txBox="1"/>
           <p:nvPr>
             <p:ph type="title"/>
@@ -16352,7 +16448,7 @@
       </p:sp>
       <p:sp>
         <p:nvSpPr>
-          <p:cNvPr id="107" name="Google Shape;107;p15"/>
+          <p:cNvPr id="108" name="Google Shape;108;p15"/>
           <p:cNvSpPr txBox="1"/>
           <p:nvPr>
             <p:ph idx="1" type="body"/>
@@ -16392,7 +16488,7 @@
             </a:pPr>
             <a:r>
               <a:rPr lang="de-CH" sz="1900"/>
-              <a:t>WGLC ended 20th February (successfully?)</a:t>
+              <a:t>WGLC ended 20th February (closed already)</a:t>
             </a:r>
             <a:endParaRPr sz="1900"/>
           </a:p>
@@ -16594,7 +16690,7 @@
       </p:sp>
       <p:sp>
         <p:nvSpPr>
-          <p:cNvPr id="108" name="Google Shape;108;p15"/>
+          <p:cNvPr id="109" name="Google Shape;109;p15"/>
           <p:cNvSpPr txBox="1"/>
           <p:nvPr>
             <p:ph idx="12" type="sldNum"/>
@@ -16654,7 +16750,7 @@
   <p:cSld>
     <p:spTree>
       <p:nvGrpSpPr>
-        <p:cNvPr id="113" name="Shape 113"/>
+        <p:cNvPr id="114" name="Shape 114"/>
         <p:cNvGrpSpPr/>
         <p:nvPr/>
       </p:nvGrpSpPr>
@@ -16668,7 +16764,7 @@
       </p:grpSpPr>
       <p:sp>
         <p:nvSpPr>
-          <p:cNvPr id="114" name="Google Shape;114;p16"/>
+          <p:cNvPr id="115" name="Google Shape;115;p16"/>
           <p:cNvSpPr txBox="1"/>
           <p:nvPr>
             <p:ph type="title"/>
@@ -16719,7 +16815,7 @@
   <p:cSld>
     <p:spTree>
       <p:nvGrpSpPr>
-        <p:cNvPr id="118" name="Shape 118"/>
+        <p:cNvPr id="119" name="Shape 119"/>
         <p:cNvGrpSpPr/>
         <p:nvPr/>
       </p:nvGrpSpPr>
@@ -16733,7 +16829,7 @@
       </p:grpSpPr>
       <p:pic>
         <p:nvPicPr>
-          <p:cNvPr id="119" name="Google Shape;119;p17"/>
+          <p:cNvPr id="120" name="Google Shape;120;p17"/>
           <p:cNvPicPr preferRelativeResize="0"/>
           <p:nvPr/>
         </p:nvPicPr>
@@ -16761,7 +16857,7 @@
       </p:pic>
       <p:sp>
         <p:nvSpPr>
-          <p:cNvPr id="120" name="Google Shape;120;p17"/>
+          <p:cNvPr id="121" name="Google Shape;121;p17"/>
           <p:cNvSpPr txBox="1"/>
           <p:nvPr>
             <p:ph type="title"/>
@@ -16824,7 +16920,7 @@
       </p:sp>
       <p:sp>
         <p:nvSpPr>
-          <p:cNvPr id="121" name="Google Shape;121;p17"/>
+          <p:cNvPr id="122" name="Google Shape;122;p17"/>
           <p:cNvSpPr txBox="1"/>
           <p:nvPr>
             <p:ph idx="12" type="sldNum"/>
@@ -16873,7 +16969,7 @@
       </p:sp>
       <p:sp>
         <p:nvSpPr>
-          <p:cNvPr id="122" name="Google Shape;122;p17"/>
+          <p:cNvPr id="123" name="Google Shape;123;p17"/>
           <p:cNvSpPr txBox="1"/>
           <p:nvPr/>
         </p:nvSpPr>
@@ -16931,7 +17027,7 @@
       </p:sp>
       <p:sp>
         <p:nvSpPr>
-          <p:cNvPr id="123" name="Google Shape;123;p17"/>
+          <p:cNvPr id="124" name="Google Shape;124;p17"/>
           <p:cNvSpPr txBox="1"/>
           <p:nvPr/>
         </p:nvSpPr>
@@ -16989,7 +17085,7 @@
       </p:sp>
       <p:pic>
         <p:nvPicPr>
-          <p:cNvPr id="124" name="Google Shape;124;p17"/>
+          <p:cNvPr id="125" name="Google Shape;125;p17"/>
           <p:cNvPicPr preferRelativeResize="0"/>
           <p:nvPr/>
         </p:nvPicPr>
@@ -17017,7 +17113,7 @@
       </p:pic>
       <p:pic>
         <p:nvPicPr>
-          <p:cNvPr id="125" name="Google Shape;125;p17"/>
+          <p:cNvPr id="126" name="Google Shape;126;p17"/>
           <p:cNvPicPr preferRelativeResize="0"/>
           <p:nvPr/>
         </p:nvPicPr>
@@ -17045,7 +17141,7 @@
       </p:pic>
       <p:sp>
         <p:nvSpPr>
-          <p:cNvPr id="126" name="Google Shape;126;p17"/>
+          <p:cNvPr id="127" name="Google Shape;127;p17"/>
           <p:cNvSpPr/>
           <p:nvPr/>
         </p:nvSpPr>
@@ -17097,7 +17193,7 @@
       </p:sp>
       <p:sp>
         <p:nvSpPr>
-          <p:cNvPr id="127" name="Google Shape;127;p17"/>
+          <p:cNvPr id="128" name="Google Shape;128;p17"/>
           <p:cNvSpPr/>
           <p:nvPr/>
         </p:nvSpPr>
@@ -17149,7 +17245,7 @@
       </p:sp>
       <p:pic>
         <p:nvPicPr>
-          <p:cNvPr id="128" name="Google Shape;128;p17"/>
+          <p:cNvPr id="129" name="Google Shape;129;p17"/>
           <p:cNvPicPr preferRelativeResize="0"/>
           <p:nvPr/>
         </p:nvPicPr>
@@ -17176,7 +17272,7 @@
       </p:pic>
       <p:sp>
         <p:nvSpPr>
-          <p:cNvPr id="129" name="Google Shape;129;p17"/>
+          <p:cNvPr id="130" name="Google Shape;130;p17"/>
           <p:cNvSpPr/>
           <p:nvPr/>
         </p:nvSpPr>

--- a/122/NETCONF/draft-ietf-netconf-udp-client-server-06.pptx
+++ b/122/NETCONF/draft-ietf-netconf-udp-client-server-06.pptx
@@ -13,6 +13,8 @@
     <p:sldId id="258" r:id="rId7"/>
     <p:sldId id="259" r:id="rId8"/>
     <p:sldId id="260" r:id="rId9"/>
+    <p:sldId id="261" r:id="rId10"/>
+    <p:sldId id="262" r:id="rId11"/>
   </p:sldIdLst>
   <p:sldSz cy="6858000" cx="12192000"/>
   <p:notesSz cx="6858000" cy="9144000"/>
@@ -1993,7 +1995,205 @@
       </p:grpSpPr>
       <p:sp>
         <p:nvSpPr>
-          <p:cNvPr id="111" name="Google Shape;111;g33a1605ce7f_0_2:notes"/>
+          <p:cNvPr id="111" name="Google Shape;111;g335d839b236_0_0:notes"/>
+          <p:cNvSpPr txBox="1"/>
+          <p:nvPr>
+            <p:ph idx="1" type="body"/>
+          </p:nvPr>
+        </p:nvSpPr>
+        <p:spPr>
+          <a:xfrm>
+            <a:off x="685800" y="4400550"/>
+            <a:ext cx="5486400" cy="3600600"/>
+          </a:xfrm>
+          <a:prstGeom prst="rect">
+            <a:avLst/>
+          </a:prstGeom>
+        </p:spPr>
+        <p:txBody>
+          <a:bodyPr anchorCtr="0" anchor="t" bIns="45700" lIns="91425" spcFirstLastPara="1" rIns="91425" wrap="square" tIns="45700">
+            <a:noAutofit/>
+          </a:bodyPr>
+          <a:lstStyle/>
+          <a:p>
+            <a:pPr indent="0" lvl="0" marL="0" rtl="0" algn="l">
+              <a:spcBef>
+                <a:spcPts val="0"/>
+              </a:spcBef>
+              <a:spcAft>
+                <a:spcPts val="0"/>
+              </a:spcAft>
+              <a:buNone/>
+            </a:pPr>
+            <a:r>
+              <a:t/>
+            </a:r>
+            <a:endParaRPr/>
+          </a:p>
+        </p:txBody>
+      </p:sp>
+      <p:sp>
+        <p:nvSpPr>
+          <p:cNvPr id="112" name="Google Shape;112;g335d839b236_0_0:notes"/>
+          <p:cNvSpPr/>
+          <p:nvPr>
+            <p:ph idx="2" type="sldImg"/>
+          </p:nvPr>
+        </p:nvSpPr>
+        <p:spPr>
+          <a:xfrm>
+            <a:off x="685800" y="1143000"/>
+            <a:ext cx="5486400" cy="3086100"/>
+          </a:xfrm>
+          <a:custGeom>
+            <a:rect b="b" l="l" r="r" t="t"/>
+            <a:pathLst>
+              <a:path extrusionOk="0" h="120000" w="120000">
+                <a:moveTo>
+                  <a:pt x="0" y="0"/>
+                </a:moveTo>
+                <a:lnTo>
+                  <a:pt x="120000" y="0"/>
+                </a:lnTo>
+                <a:lnTo>
+                  <a:pt x="120000" y="120000"/>
+                </a:lnTo>
+                <a:lnTo>
+                  <a:pt x="0" y="120000"/>
+                </a:lnTo>
+                <a:close/>
+              </a:path>
+            </a:pathLst>
+          </a:custGeom>
+        </p:spPr>
+      </p:sp>
+    </p:spTree>
+  </p:cSld>
+  <p:clrMapOvr>
+    <a:masterClrMapping/>
+  </p:clrMapOvr>
+</p:notes>
+</file>
+
+<file path=ppt/notesSlides/notesSlide5.xml><?xml version="1.0" encoding="utf-8"?>
+<p:notes xmlns:a="http://schemas.openxmlformats.org/drawingml/2006/main" xmlns:r="http://schemas.openxmlformats.org/officeDocument/2006/relationships" xmlns:mc="http://schemas.openxmlformats.org/markup-compatibility/2006" xmlns:mv="urn:schemas-microsoft-com:mac:vml" xmlns:p="http://schemas.openxmlformats.org/presentationml/2006/main" xmlns:c="http://schemas.openxmlformats.org/drawingml/2006/chart" xmlns:dgm="http://schemas.openxmlformats.org/drawingml/2006/diagram" xmlns:o="urn:schemas-microsoft-com:office:office" xmlns:v="urn:schemas-microsoft-com:vml" xmlns:pvml="urn:schemas-microsoft-com:office:powerpoint" xmlns:com="http://schemas.openxmlformats.org/drawingml/2006/compatibility" xmlns:p14="http://schemas.microsoft.com/office/powerpoint/2010/main" xmlns:p15="http://schemas.microsoft.com/office/powerpoint/2012/main" xmlns:ahyp="http://schemas.microsoft.com/office/drawing/2018/hyperlinkcolor" showMasterPhAnim="0" showMasterSp="0">
+  <p:cSld>
+    <p:spTree>
+      <p:nvGrpSpPr>
+        <p:cNvPr id="123" name="Shape 123"/>
+        <p:cNvGrpSpPr/>
+        <p:nvPr/>
+      </p:nvGrpSpPr>
+      <p:grpSpPr>
+        <a:xfrm>
+          <a:off x="0" y="0"/>
+          <a:ext cx="0" cy="0"/>
+          <a:chOff x="0" y="0"/>
+          <a:chExt cx="0" cy="0"/>
+        </a:xfrm>
+      </p:grpSpPr>
+      <p:sp>
+        <p:nvSpPr>
+          <p:cNvPr id="124" name="Google Shape;124;g335d839b236_0_19:notes"/>
+          <p:cNvSpPr txBox="1"/>
+          <p:nvPr>
+            <p:ph idx="1" type="body"/>
+          </p:nvPr>
+        </p:nvSpPr>
+        <p:spPr>
+          <a:xfrm>
+            <a:off x="685800" y="4400550"/>
+            <a:ext cx="5486400" cy="3600600"/>
+          </a:xfrm>
+          <a:prstGeom prst="rect">
+            <a:avLst/>
+          </a:prstGeom>
+        </p:spPr>
+        <p:txBody>
+          <a:bodyPr anchorCtr="0" anchor="t" bIns="45700" lIns="91425" spcFirstLastPara="1" rIns="91425" wrap="square" tIns="45700">
+            <a:noAutofit/>
+          </a:bodyPr>
+          <a:lstStyle/>
+          <a:p>
+            <a:pPr indent="0" lvl="0" marL="0" rtl="0" algn="l">
+              <a:spcBef>
+                <a:spcPts val="0"/>
+              </a:spcBef>
+              <a:spcAft>
+                <a:spcPts val="0"/>
+              </a:spcAft>
+              <a:buNone/>
+            </a:pPr>
+            <a:r>
+              <a:t/>
+            </a:r>
+            <a:endParaRPr/>
+          </a:p>
+        </p:txBody>
+      </p:sp>
+      <p:sp>
+        <p:nvSpPr>
+          <p:cNvPr id="125" name="Google Shape;125;g335d839b236_0_19:notes"/>
+          <p:cNvSpPr/>
+          <p:nvPr>
+            <p:ph idx="2" type="sldImg"/>
+          </p:nvPr>
+        </p:nvSpPr>
+        <p:spPr>
+          <a:xfrm>
+            <a:off x="685800" y="1143000"/>
+            <a:ext cx="5486400" cy="3086100"/>
+          </a:xfrm>
+          <a:custGeom>
+            <a:rect b="b" l="l" r="r" t="t"/>
+            <a:pathLst>
+              <a:path extrusionOk="0" h="120000" w="120000">
+                <a:moveTo>
+                  <a:pt x="0" y="0"/>
+                </a:moveTo>
+                <a:lnTo>
+                  <a:pt x="120000" y="0"/>
+                </a:lnTo>
+                <a:lnTo>
+                  <a:pt x="120000" y="120000"/>
+                </a:lnTo>
+                <a:lnTo>
+                  <a:pt x="0" y="120000"/>
+                </a:lnTo>
+                <a:close/>
+              </a:path>
+            </a:pathLst>
+          </a:custGeom>
+        </p:spPr>
+      </p:sp>
+    </p:spTree>
+  </p:cSld>
+  <p:clrMapOvr>
+    <a:masterClrMapping/>
+  </p:clrMapOvr>
+</p:notes>
+</file>
+
+<file path=ppt/notesSlides/notesSlide6.xml><?xml version="1.0" encoding="utf-8"?>
+<p:notes xmlns:a="http://schemas.openxmlformats.org/drawingml/2006/main" xmlns:r="http://schemas.openxmlformats.org/officeDocument/2006/relationships" xmlns:mc="http://schemas.openxmlformats.org/markup-compatibility/2006" xmlns:mv="urn:schemas-microsoft-com:mac:vml" xmlns:p="http://schemas.openxmlformats.org/presentationml/2006/main" xmlns:c="http://schemas.openxmlformats.org/drawingml/2006/chart" xmlns:dgm="http://schemas.openxmlformats.org/drawingml/2006/diagram" xmlns:o="urn:schemas-microsoft-com:office:office" xmlns:v="urn:schemas-microsoft-com:vml" xmlns:pvml="urn:schemas-microsoft-com:office:powerpoint" xmlns:com="http://schemas.openxmlformats.org/drawingml/2006/compatibility" xmlns:p14="http://schemas.microsoft.com/office/powerpoint/2010/main" xmlns:p15="http://schemas.microsoft.com/office/powerpoint/2012/main" xmlns:ahyp="http://schemas.microsoft.com/office/drawing/2018/hyperlinkcolor" showMasterPhAnim="0" showMasterSp="0">
+  <p:cSld>
+    <p:spTree>
+      <p:nvGrpSpPr>
+        <p:cNvPr id="134" name="Shape 134"/>
+        <p:cNvGrpSpPr/>
+        <p:nvPr/>
+      </p:nvGrpSpPr>
+      <p:grpSpPr>
+        <a:xfrm>
+          <a:off x="0" y="0"/>
+          <a:ext cx="0" cy="0"/>
+          <a:chOff x="0" y="0"/>
+          <a:chExt cx="0" cy="0"/>
+        </a:xfrm>
+      </p:grpSpPr>
+      <p:sp>
+        <p:nvSpPr>
+          <p:cNvPr id="135" name="Google Shape;135;g33a1605ce7f_0_2:notes"/>
           <p:cNvSpPr/>
           <p:nvPr>
             <p:ph idx="2" type="sldImg"/>
@@ -2028,7 +2228,7 @@
       </p:sp>
       <p:sp>
         <p:nvSpPr>
-          <p:cNvPr id="112" name="Google Shape;112;g33a1605ce7f_0_2:notes"/>
+          <p:cNvPr id="136" name="Google Shape;136;g33a1605ce7f_0_2:notes"/>
           <p:cNvSpPr txBox="1"/>
           <p:nvPr>
             <p:ph idx="1" type="body"/>
@@ -2067,7 +2267,7 @@
       </p:sp>
       <p:sp>
         <p:nvSpPr>
-          <p:cNvPr id="113" name="Google Shape;113;g33a1605ce7f_0_2:notes"/>
+          <p:cNvPr id="137" name="Google Shape;137;g33a1605ce7f_0_2:notes"/>
           <p:cNvSpPr txBox="1"/>
           <p:nvPr>
             <p:ph idx="12" type="sldNum"/>
@@ -2118,12 +2318,12 @@
 </p:notes>
 </file>
 
-<file path=ppt/notesSlides/notesSlide5.xml><?xml version="1.0" encoding="utf-8"?>
+<file path=ppt/notesSlides/notesSlide7.xml><?xml version="1.0" encoding="utf-8"?>
 <p:notes xmlns:a="http://schemas.openxmlformats.org/drawingml/2006/main" xmlns:r="http://schemas.openxmlformats.org/officeDocument/2006/relationships" xmlns:mc="http://schemas.openxmlformats.org/markup-compatibility/2006" xmlns:mv="urn:schemas-microsoft-com:mac:vml" xmlns:p="http://schemas.openxmlformats.org/presentationml/2006/main" xmlns:c="http://schemas.openxmlformats.org/drawingml/2006/chart" xmlns:dgm="http://schemas.openxmlformats.org/drawingml/2006/diagram" xmlns:o="urn:schemas-microsoft-com:office:office" xmlns:v="urn:schemas-microsoft-com:vml" xmlns:pvml="urn:schemas-microsoft-com:office:powerpoint" xmlns:com="http://schemas.openxmlformats.org/drawingml/2006/compatibility" xmlns:p14="http://schemas.microsoft.com/office/powerpoint/2010/main" xmlns:p15="http://schemas.microsoft.com/office/powerpoint/2012/main" xmlns:ahyp="http://schemas.microsoft.com/office/drawing/2018/hyperlinkcolor" showMasterPhAnim="0" showMasterSp="0">
   <p:cSld>
     <p:spTree>
       <p:nvGrpSpPr>
-        <p:cNvPr id="116" name="Shape 116"/>
+        <p:cNvPr id="140" name="Shape 140"/>
         <p:cNvGrpSpPr/>
         <p:nvPr/>
       </p:nvGrpSpPr>
@@ -2137,7 +2337,7 @@
       </p:grpSpPr>
       <p:sp>
         <p:nvSpPr>
-          <p:cNvPr id="117" name="Google Shape;117;g30dcc07dc17_0_6:notes"/>
+          <p:cNvPr id="141" name="Google Shape;141;g30dcc07dc17_0_6:notes"/>
           <p:cNvSpPr txBox="1"/>
           <p:nvPr>
             <p:ph idx="1" type="body"/>
@@ -2176,7 +2376,7 @@
       </p:sp>
       <p:sp>
         <p:nvSpPr>
-          <p:cNvPr id="118" name="Google Shape;118;g30dcc07dc17_0_6:notes"/>
+          <p:cNvPr id="142" name="Google Shape;142;g30dcc07dc17_0_6:notes"/>
           <p:cNvSpPr/>
           <p:nvPr>
             <p:ph idx="2" type="sldImg"/>
@@ -16664,7 +16864,7 @@
             </a:pPr>
             <a:r>
               <a:rPr lang="de-CH" sz="1900"/>
-              <a:t>Ready for next steps :)</a:t>
+              <a:t>Ready for next steps (but got a last-minute discussion :) )</a:t>
             </a:r>
             <a:endParaRPr sz="1900"/>
           </a:p>
@@ -16750,7 +16950,7 @@
   <p:cSld>
     <p:spTree>
       <p:nvGrpSpPr>
-        <p:cNvPr id="114" name="Shape 114"/>
+        <p:cNvPr id="113" name="Shape 113"/>
         <p:cNvGrpSpPr/>
         <p:nvPr/>
       </p:nvGrpSpPr>
@@ -16764,7 +16964,1093 @@
       </p:grpSpPr>
       <p:sp>
         <p:nvSpPr>
+          <p:cNvPr id="114" name="Google Shape;114;p16"/>
+          <p:cNvSpPr txBox="1"/>
+          <p:nvPr>
+            <p:ph type="title"/>
+          </p:nvPr>
+        </p:nvSpPr>
+        <p:spPr>
+          <a:xfrm>
+            <a:off x="838200" y="365125"/>
+            <a:ext cx="10515600" cy="1325700"/>
+          </a:xfrm>
+          <a:prstGeom prst="rect">
+            <a:avLst/>
+          </a:prstGeom>
+          <a:noFill/>
+          <a:ln>
+            <a:noFill/>
+          </a:ln>
+        </p:spPr>
+        <p:txBody>
+          <a:bodyPr anchorCtr="0" anchor="ctr" bIns="45700" lIns="91425" spcFirstLastPara="1" rIns="91425" wrap="square" tIns="45700">
+            <a:normAutofit/>
+          </a:bodyPr>
+          <a:lstStyle/>
+          <a:p>
+            <a:pPr indent="0" lvl="0" marL="0" rtl="0" algn="l">
+              <a:lnSpc>
+                <a:spcPct val="90000"/>
+              </a:lnSpc>
+              <a:spcBef>
+                <a:spcPts val="0"/>
+              </a:spcBef>
+              <a:spcAft>
+                <a:spcPts val="0"/>
+              </a:spcAft>
+              <a:buClr>
+                <a:schemeClr val="dk1"/>
+              </a:buClr>
+              <a:buSzPts val="2800"/>
+              <a:buFont typeface="Calibri"/>
+              <a:buNone/>
+            </a:pPr>
+            <a:r>
+              <a:rPr b="1" lang="de-CH" sz="2800"/>
+              <a:t>YANG Groupings for UDP Clients and UDP Servers</a:t>
+            </a:r>
+            <a:br>
+              <a:rPr lang="de-CH" sz="3600"/>
+            </a:br>
+            <a:r>
+              <a:rPr lang="de-CH" sz="2700">
+                <a:solidFill>
+                  <a:srgbClr val="AEABAB"/>
+                </a:solidFill>
+              </a:rPr>
+              <a:t>One last discussion with Rob</a:t>
+            </a:r>
+            <a:endParaRPr/>
+          </a:p>
+        </p:txBody>
+      </p:sp>
+      <p:sp>
+        <p:nvSpPr>
           <p:cNvPr id="115" name="Google Shape;115;p16"/>
+          <p:cNvSpPr txBox="1"/>
+          <p:nvPr>
+            <p:ph idx="1" type="body"/>
+          </p:nvPr>
+        </p:nvSpPr>
+        <p:spPr>
+          <a:xfrm>
+            <a:off x="810400" y="1517225"/>
+            <a:ext cx="5197200" cy="4612200"/>
+          </a:xfrm>
+          <a:prstGeom prst="rect">
+            <a:avLst/>
+          </a:prstGeom>
+          <a:noFill/>
+          <a:ln>
+            <a:noFill/>
+          </a:ln>
+        </p:spPr>
+        <p:txBody>
+          <a:bodyPr anchorCtr="0" anchor="t" bIns="45700" lIns="91425" spcFirstLastPara="1" rIns="91425" wrap="square" tIns="45700">
+            <a:noAutofit/>
+          </a:bodyPr>
+          <a:lstStyle/>
+          <a:p>
+            <a:pPr indent="-349250" lvl="0" marL="457200" marR="0" rtl="0" algn="l">
+              <a:lnSpc>
+                <a:spcPct val="115000"/>
+              </a:lnSpc>
+              <a:spcBef>
+                <a:spcPts val="0"/>
+              </a:spcBef>
+              <a:spcAft>
+                <a:spcPts val="0"/>
+              </a:spcAft>
+              <a:buSzPts val="1900"/>
+              <a:buChar char="•"/>
+            </a:pPr>
+            <a:r>
+              <a:rPr lang="de-CH" sz="1900"/>
+              <a:t>With the current implementation, the server cannot have a ‘local-address’ bound to multiple ‘local-port’s</a:t>
+            </a:r>
+            <a:endParaRPr sz="1900"/>
+          </a:p>
+          <a:p>
+            <a:pPr indent="-349250" lvl="1" marL="914400" marR="0" rtl="0" algn="l">
+              <a:lnSpc>
+                <a:spcPct val="115000"/>
+              </a:lnSpc>
+              <a:spcBef>
+                <a:spcPts val="0"/>
+              </a:spcBef>
+              <a:spcAft>
+                <a:spcPts val="0"/>
+              </a:spcAft>
+              <a:buSzPts val="1900"/>
+              <a:buChar char="•"/>
+            </a:pPr>
+            <a:r>
+              <a:rPr lang="de-CH" sz="1900"/>
+              <a:t>Reason: only local-address is present on the ‘local-bind’ list</a:t>
+            </a:r>
+            <a:endParaRPr sz="1900"/>
+          </a:p>
+          <a:p>
+            <a:pPr indent="-349250" lvl="1" marL="914400" marR="0" rtl="0" algn="l">
+              <a:lnSpc>
+                <a:spcPct val="115000"/>
+              </a:lnSpc>
+              <a:spcBef>
+                <a:spcPts val="0"/>
+              </a:spcBef>
+              <a:spcAft>
+                <a:spcPts val="0"/>
+              </a:spcAft>
+              <a:buSzPts val="1900"/>
+              <a:buChar char="•"/>
+            </a:pPr>
+            <a:r>
+              <a:rPr lang="de-CH" sz="1900"/>
+              <a:t>Note this is implemented similarly in TCP server grouping</a:t>
+            </a:r>
+            <a:endParaRPr sz="1900"/>
+          </a:p>
+          <a:p>
+            <a:pPr indent="-349250" lvl="0" marL="457200" marR="0" rtl="0" algn="l">
+              <a:lnSpc>
+                <a:spcPct val="115000"/>
+              </a:lnSpc>
+              <a:spcBef>
+                <a:spcPts val="0"/>
+              </a:spcBef>
+              <a:spcAft>
+                <a:spcPts val="0"/>
+              </a:spcAft>
+              <a:buSzPts val="1900"/>
+              <a:buChar char="•"/>
+            </a:pPr>
+            <a:r>
+              <a:rPr lang="de-CH" sz="1900"/>
+              <a:t>Question to the WG:</a:t>
+            </a:r>
+            <a:endParaRPr sz="1900"/>
+          </a:p>
+          <a:p>
+            <a:pPr indent="-349250" lvl="1" marL="914400" marR="0" rtl="0" algn="l">
+              <a:lnSpc>
+                <a:spcPct val="115000"/>
+              </a:lnSpc>
+              <a:spcBef>
+                <a:spcPts val="0"/>
+              </a:spcBef>
+              <a:spcAft>
+                <a:spcPts val="0"/>
+              </a:spcAft>
+              <a:buSzPts val="1900"/>
+              <a:buChar char="•"/>
+            </a:pPr>
+            <a:r>
+              <a:rPr lang="de-CH" sz="1900"/>
+              <a:t>Is this a valid use case?</a:t>
+            </a:r>
+            <a:endParaRPr sz="1900"/>
+          </a:p>
+          <a:p>
+            <a:pPr indent="0" lvl="0" marL="0" marR="0" rtl="0" algn="l">
+              <a:lnSpc>
+                <a:spcPct val="115000"/>
+              </a:lnSpc>
+              <a:spcBef>
+                <a:spcPts val="0"/>
+              </a:spcBef>
+              <a:spcAft>
+                <a:spcPts val="0"/>
+              </a:spcAft>
+              <a:buNone/>
+            </a:pPr>
+            <a:r>
+              <a:t/>
+            </a:r>
+            <a:endParaRPr sz="1900"/>
+          </a:p>
+          <a:p>
+            <a:pPr indent="0" lvl="0" marL="0" marR="0" rtl="0" algn="l">
+              <a:lnSpc>
+                <a:spcPct val="115000"/>
+              </a:lnSpc>
+              <a:spcBef>
+                <a:spcPts val="0"/>
+              </a:spcBef>
+              <a:spcAft>
+                <a:spcPts val="0"/>
+              </a:spcAft>
+              <a:buNone/>
+            </a:pPr>
+            <a:r>
+              <a:t/>
+            </a:r>
+            <a:endParaRPr sz="1900"/>
+          </a:p>
+        </p:txBody>
+      </p:sp>
+      <p:sp>
+        <p:nvSpPr>
+          <p:cNvPr id="116" name="Google Shape;116;p16"/>
+          <p:cNvSpPr txBox="1"/>
+          <p:nvPr>
+            <p:ph idx="12" type="sldNum"/>
+          </p:nvPr>
+        </p:nvSpPr>
+        <p:spPr>
+          <a:xfrm>
+            <a:off x="11587892" y="6361637"/>
+            <a:ext cx="414300" cy="365100"/>
+          </a:xfrm>
+          <a:prstGeom prst="rect">
+            <a:avLst/>
+          </a:prstGeom>
+          <a:noFill/>
+          <a:ln>
+            <a:noFill/>
+          </a:ln>
+        </p:spPr>
+        <p:txBody>
+          <a:bodyPr anchorCtr="0" anchor="ctr" bIns="45700" lIns="91425" spcFirstLastPara="1" rIns="91425" wrap="square" tIns="45700">
+            <a:noAutofit/>
+          </a:bodyPr>
+          <a:lstStyle/>
+          <a:p>
+            <a:pPr indent="0" lvl="0" marL="0" rtl="0" algn="r">
+              <a:spcBef>
+                <a:spcPts val="0"/>
+              </a:spcBef>
+              <a:spcAft>
+                <a:spcPts val="0"/>
+              </a:spcAft>
+              <a:buClr>
+                <a:srgbClr val="000000"/>
+              </a:buClr>
+              <a:buSzPts val="1200"/>
+              <a:buFont typeface="Arial"/>
+              <a:buNone/>
+            </a:pPr>
+            <a:fld id="{00000000-1234-1234-1234-123412341234}" type="slidenum">
+              <a:rPr lang="de-CH"/>
+              <a:t>‹#›</a:t>
+            </a:fld>
+            <a:endParaRPr/>
+          </a:p>
+        </p:txBody>
+      </p:sp>
+      <p:pic>
+        <p:nvPicPr>
+          <p:cNvPr id="117" name="Google Shape;117;p16" title="Screenshot 2025-03-15 at 15.25.57.png"/>
+          <p:cNvPicPr preferRelativeResize="0"/>
+          <p:nvPr/>
+        </p:nvPicPr>
+        <p:blipFill>
+          <a:blip r:embed="rId3">
+            <a:alphaModFix/>
+          </a:blip>
+          <a:stretch>
+            <a:fillRect/>
+          </a:stretch>
+        </p:blipFill>
+        <p:spPr>
+          <a:xfrm>
+            <a:off x="6673375" y="2035125"/>
+            <a:ext cx="5197151" cy="1579525"/>
+          </a:xfrm>
+          <a:prstGeom prst="rect">
+            <a:avLst/>
+          </a:prstGeom>
+          <a:noFill/>
+          <a:ln>
+            <a:noFill/>
+          </a:ln>
+        </p:spPr>
+      </p:pic>
+      <p:pic>
+        <p:nvPicPr>
+          <p:cNvPr id="118" name="Google Shape;118;p16" title="Screenshot 2025-03-15 at 15.25.44.png"/>
+          <p:cNvPicPr preferRelativeResize="0"/>
+          <p:nvPr/>
+        </p:nvPicPr>
+        <p:blipFill>
+          <a:blip r:embed="rId4">
+            <a:alphaModFix/>
+          </a:blip>
+          <a:stretch>
+            <a:fillRect/>
+          </a:stretch>
+        </p:blipFill>
+        <p:spPr>
+          <a:xfrm>
+            <a:off x="6673378" y="4344350"/>
+            <a:ext cx="5197184" cy="1579525"/>
+          </a:xfrm>
+          <a:prstGeom prst="rect">
+            <a:avLst/>
+          </a:prstGeom>
+          <a:noFill/>
+          <a:ln>
+            <a:noFill/>
+          </a:ln>
+        </p:spPr>
+      </p:pic>
+      <p:sp>
+        <p:nvSpPr>
+          <p:cNvPr id="119" name="Google Shape;119;p16"/>
+          <p:cNvSpPr/>
+          <p:nvPr/>
+        </p:nvSpPr>
+        <p:spPr>
+          <a:xfrm>
+            <a:off x="10492825" y="5018701"/>
+            <a:ext cx="1173900" cy="273300"/>
+          </a:xfrm>
+          <a:prstGeom prst="rect">
+            <a:avLst/>
+          </a:prstGeom>
+          <a:noFill/>
+          <a:ln cap="flat" cmpd="sng" w="19050">
+            <a:solidFill>
+              <a:srgbClr val="FF0000"/>
+            </a:solidFill>
+            <a:prstDash val="solid"/>
+            <a:round/>
+            <a:headEnd len="sm" w="sm" type="none"/>
+            <a:tailEnd len="sm" w="sm" type="none"/>
+          </a:ln>
+        </p:spPr>
+        <p:txBody>
+          <a:bodyPr anchorCtr="0" anchor="ctr" bIns="91425" lIns="91425" spcFirstLastPara="1" rIns="91425" wrap="square" tIns="91425">
+            <a:noAutofit/>
+          </a:bodyPr>
+          <a:lstStyle/>
+          <a:p>
+            <a:pPr indent="0" lvl="0" marL="0" rtl="0" algn="ctr">
+              <a:spcBef>
+                <a:spcPts val="0"/>
+              </a:spcBef>
+              <a:spcAft>
+                <a:spcPts val="0"/>
+              </a:spcAft>
+              <a:buNone/>
+            </a:pPr>
+            <a:r>
+              <a:t/>
+            </a:r>
+            <a:endParaRPr>
+              <a:latin typeface="Calibri"/>
+              <a:ea typeface="Calibri"/>
+              <a:cs typeface="Calibri"/>
+              <a:sym typeface="Calibri"/>
+            </a:endParaRPr>
+          </a:p>
+        </p:txBody>
+      </p:sp>
+      <p:sp>
+        <p:nvSpPr>
+          <p:cNvPr id="120" name="Google Shape;120;p16"/>
+          <p:cNvSpPr txBox="1"/>
+          <p:nvPr/>
+        </p:nvSpPr>
+        <p:spPr>
+          <a:xfrm>
+            <a:off x="7756663" y="1331325"/>
+            <a:ext cx="3030600" cy="615600"/>
+          </a:xfrm>
+          <a:prstGeom prst="rect">
+            <a:avLst/>
+          </a:prstGeom>
+          <a:noFill/>
+          <a:ln>
+            <a:noFill/>
+          </a:ln>
+        </p:spPr>
+        <p:txBody>
+          <a:bodyPr anchorCtr="0" anchor="t" bIns="91425" lIns="91425" spcFirstLastPara="1" rIns="91425" wrap="square" tIns="91425">
+            <a:spAutoFit/>
+          </a:bodyPr>
+          <a:lstStyle/>
+          <a:p>
+            <a:pPr indent="0" lvl="0" marL="0" rtl="0" algn="ctr">
+              <a:spcBef>
+                <a:spcPts val="0"/>
+              </a:spcBef>
+              <a:spcAft>
+                <a:spcPts val="0"/>
+              </a:spcAft>
+              <a:buNone/>
+            </a:pPr>
+            <a:r>
+              <a:rPr lang="de-CH" sz="2800">
+                <a:solidFill>
+                  <a:schemeClr val="dk1"/>
+                </a:solidFill>
+                <a:latin typeface="Calibri"/>
+                <a:ea typeface="Calibri"/>
+                <a:cs typeface="Calibri"/>
+                <a:sym typeface="Calibri"/>
+              </a:rPr>
+              <a:t>Current iteration</a:t>
+            </a:r>
+            <a:endParaRPr sz="2800">
+              <a:solidFill>
+                <a:schemeClr val="dk1"/>
+              </a:solidFill>
+              <a:latin typeface="Calibri"/>
+              <a:ea typeface="Calibri"/>
+              <a:cs typeface="Calibri"/>
+              <a:sym typeface="Calibri"/>
+            </a:endParaRPr>
+          </a:p>
+        </p:txBody>
+      </p:sp>
+      <p:sp>
+        <p:nvSpPr>
+          <p:cNvPr id="121" name="Google Shape;121;p16"/>
+          <p:cNvSpPr txBox="1"/>
+          <p:nvPr/>
+        </p:nvSpPr>
+        <p:spPr>
+          <a:xfrm>
+            <a:off x="7238254" y="3702850"/>
+            <a:ext cx="4067400" cy="615600"/>
+          </a:xfrm>
+          <a:prstGeom prst="rect">
+            <a:avLst/>
+          </a:prstGeom>
+          <a:noFill/>
+          <a:ln>
+            <a:noFill/>
+          </a:ln>
+        </p:spPr>
+        <p:txBody>
+          <a:bodyPr anchorCtr="0" anchor="t" bIns="91425" lIns="91425" spcFirstLastPara="1" rIns="91425" wrap="square" tIns="91425">
+            <a:spAutoFit/>
+          </a:bodyPr>
+          <a:lstStyle/>
+          <a:p>
+            <a:pPr indent="0" lvl="0" marL="0" rtl="0" algn="ctr">
+              <a:spcBef>
+                <a:spcPts val="0"/>
+              </a:spcBef>
+              <a:spcAft>
+                <a:spcPts val="0"/>
+              </a:spcAft>
+              <a:buNone/>
+            </a:pPr>
+            <a:r>
+              <a:rPr lang="de-CH" sz="2800">
+                <a:solidFill>
+                  <a:schemeClr val="dk1"/>
+                </a:solidFill>
+                <a:latin typeface="Calibri"/>
+                <a:ea typeface="Calibri"/>
+                <a:cs typeface="Calibri"/>
+                <a:sym typeface="Calibri"/>
+              </a:rPr>
+              <a:t>Discussed on the ML</a:t>
+            </a:r>
+            <a:endParaRPr sz="2800">
+              <a:solidFill>
+                <a:schemeClr val="dk1"/>
+              </a:solidFill>
+              <a:latin typeface="Calibri"/>
+              <a:ea typeface="Calibri"/>
+              <a:cs typeface="Calibri"/>
+              <a:sym typeface="Calibri"/>
+            </a:endParaRPr>
+          </a:p>
+        </p:txBody>
+      </p:sp>
+      <p:sp>
+        <p:nvSpPr>
+          <p:cNvPr id="122" name="Google Shape;122;p16"/>
+          <p:cNvSpPr/>
+          <p:nvPr/>
+        </p:nvSpPr>
+        <p:spPr>
+          <a:xfrm>
+            <a:off x="9021375" y="5526700"/>
+            <a:ext cx="131400" cy="192600"/>
+          </a:xfrm>
+          <a:prstGeom prst="rect">
+            <a:avLst/>
+          </a:prstGeom>
+          <a:solidFill>
+            <a:schemeClr val="dk1"/>
+          </a:solidFill>
+          <a:ln cap="flat" cmpd="sng" w="9525">
+            <a:solidFill>
+              <a:schemeClr val="dk2"/>
+            </a:solidFill>
+            <a:prstDash val="solid"/>
+            <a:round/>
+            <a:headEnd len="sm" w="sm" type="none"/>
+            <a:tailEnd len="sm" w="sm" type="none"/>
+          </a:ln>
+        </p:spPr>
+        <p:txBody>
+          <a:bodyPr anchorCtr="0" anchor="ctr" bIns="91425" lIns="91425" spcFirstLastPara="1" rIns="91425" wrap="square" tIns="91425">
+            <a:noAutofit/>
+          </a:bodyPr>
+          <a:lstStyle/>
+          <a:p>
+            <a:pPr indent="0" lvl="0" marL="0" rtl="0" algn="ctr">
+              <a:spcBef>
+                <a:spcPts val="0"/>
+              </a:spcBef>
+              <a:spcAft>
+                <a:spcPts val="0"/>
+              </a:spcAft>
+              <a:buNone/>
+            </a:pPr>
+            <a:r>
+              <a:t/>
+            </a:r>
+            <a:endParaRPr>
+              <a:latin typeface="Calibri"/>
+              <a:ea typeface="Calibri"/>
+              <a:cs typeface="Calibri"/>
+              <a:sym typeface="Calibri"/>
+            </a:endParaRPr>
+          </a:p>
+        </p:txBody>
+      </p:sp>
+    </p:spTree>
+  </p:cSld>
+  <p:clrMapOvr>
+    <a:masterClrMapping/>
+  </p:clrMapOvr>
+</p:sld>
+</file>
+
+<file path=ppt/slides/slide5.xml><?xml version="1.0" encoding="utf-8"?>
+<p:sld xmlns:a="http://schemas.openxmlformats.org/drawingml/2006/main" xmlns:r="http://schemas.openxmlformats.org/officeDocument/2006/relationships" xmlns:mc="http://schemas.openxmlformats.org/markup-compatibility/2006" xmlns:mv="urn:schemas-microsoft-com:mac:vml" xmlns:p="http://schemas.openxmlformats.org/presentationml/2006/main" xmlns:c="http://schemas.openxmlformats.org/drawingml/2006/chart" xmlns:dgm="http://schemas.openxmlformats.org/drawingml/2006/diagram" xmlns:o="urn:schemas-microsoft-com:office:office" xmlns:v="urn:schemas-microsoft-com:vml" xmlns:pvml="urn:schemas-microsoft-com:office:powerpoint" xmlns:com="http://schemas.openxmlformats.org/drawingml/2006/compatibility" xmlns:p14="http://schemas.microsoft.com/office/powerpoint/2010/main" xmlns:p15="http://schemas.microsoft.com/office/powerpoint/2012/main" xmlns:ahyp="http://schemas.microsoft.com/office/drawing/2018/hyperlinkcolor">
+  <p:cSld>
+    <p:spTree>
+      <p:nvGrpSpPr>
+        <p:cNvPr id="126" name="Shape 126"/>
+        <p:cNvGrpSpPr/>
+        <p:nvPr/>
+      </p:nvGrpSpPr>
+      <p:grpSpPr>
+        <a:xfrm>
+          <a:off x="0" y="0"/>
+          <a:ext cx="0" cy="0"/>
+          <a:chOff x="0" y="0"/>
+          <a:chExt cx="0" cy="0"/>
+        </a:xfrm>
+      </p:grpSpPr>
+      <p:sp>
+        <p:nvSpPr>
+          <p:cNvPr id="127" name="Google Shape;127;p17"/>
+          <p:cNvSpPr txBox="1"/>
+          <p:nvPr>
+            <p:ph type="title"/>
+          </p:nvPr>
+        </p:nvSpPr>
+        <p:spPr>
+          <a:xfrm>
+            <a:off x="838200" y="365125"/>
+            <a:ext cx="10515600" cy="1325700"/>
+          </a:xfrm>
+          <a:prstGeom prst="rect">
+            <a:avLst/>
+          </a:prstGeom>
+          <a:noFill/>
+          <a:ln>
+            <a:noFill/>
+          </a:ln>
+        </p:spPr>
+        <p:txBody>
+          <a:bodyPr anchorCtr="0" anchor="ctr" bIns="45700" lIns="91425" spcFirstLastPara="1" rIns="91425" wrap="square" tIns="45700">
+            <a:normAutofit/>
+          </a:bodyPr>
+          <a:lstStyle/>
+          <a:p>
+            <a:pPr indent="0" lvl="0" marL="0" rtl="0" algn="l">
+              <a:lnSpc>
+                <a:spcPct val="90000"/>
+              </a:lnSpc>
+              <a:spcBef>
+                <a:spcPts val="0"/>
+              </a:spcBef>
+              <a:spcAft>
+                <a:spcPts val="0"/>
+              </a:spcAft>
+              <a:buClr>
+                <a:schemeClr val="dk1"/>
+              </a:buClr>
+              <a:buSzPts val="2800"/>
+              <a:buFont typeface="Calibri"/>
+              <a:buNone/>
+            </a:pPr>
+            <a:r>
+              <a:rPr b="1" lang="de-CH" sz="2800"/>
+              <a:t>YANG Groupings for UDP Clients and UDP Servers</a:t>
+            </a:r>
+            <a:br>
+              <a:rPr lang="de-CH" sz="3600"/>
+            </a:br>
+            <a:r>
+              <a:rPr lang="de-CH" sz="2700">
+                <a:solidFill>
+                  <a:srgbClr val="AEABAB"/>
+                </a:solidFill>
+              </a:rPr>
+              <a:t>One last discussion with Rob</a:t>
+            </a:r>
+            <a:endParaRPr/>
+          </a:p>
+        </p:txBody>
+      </p:sp>
+      <p:sp>
+        <p:nvSpPr>
+          <p:cNvPr id="128" name="Google Shape;128;p17"/>
+          <p:cNvSpPr txBox="1"/>
+          <p:nvPr>
+            <p:ph idx="1" type="body"/>
+          </p:nvPr>
+        </p:nvSpPr>
+        <p:spPr>
+          <a:xfrm>
+            <a:off x="810400" y="1517225"/>
+            <a:ext cx="5197200" cy="4612200"/>
+          </a:xfrm>
+          <a:prstGeom prst="rect">
+            <a:avLst/>
+          </a:prstGeom>
+          <a:noFill/>
+          <a:ln>
+            <a:noFill/>
+          </a:ln>
+        </p:spPr>
+        <p:txBody>
+          <a:bodyPr anchorCtr="0" anchor="t" bIns="45700" lIns="91425" spcFirstLastPara="1" rIns="91425" wrap="square" tIns="45700">
+            <a:noAutofit/>
+          </a:bodyPr>
+          <a:lstStyle/>
+          <a:p>
+            <a:pPr indent="-349250" lvl="0" marL="457200" marR="0" rtl="0" algn="l">
+              <a:lnSpc>
+                <a:spcPct val="115000"/>
+              </a:lnSpc>
+              <a:spcBef>
+                <a:spcPts val="0"/>
+              </a:spcBef>
+              <a:spcAft>
+                <a:spcPts val="0"/>
+              </a:spcAft>
+              <a:buSzPts val="1900"/>
+              <a:buChar char="•"/>
+            </a:pPr>
+            <a:r>
+              <a:rPr lang="de-CH" sz="1900"/>
+              <a:t>A way to fix this is changing local-port to a ‘leaf-list’ instead of a ‘leaf’</a:t>
+            </a:r>
+            <a:endParaRPr sz="1900"/>
+          </a:p>
+          <a:p>
+            <a:pPr indent="0" lvl="0" marL="0" marR="0" rtl="0" algn="l">
+              <a:lnSpc>
+                <a:spcPct val="115000"/>
+              </a:lnSpc>
+              <a:spcBef>
+                <a:spcPts val="0"/>
+              </a:spcBef>
+              <a:spcAft>
+                <a:spcPts val="0"/>
+              </a:spcAft>
+              <a:buNone/>
+            </a:pPr>
+            <a:r>
+              <a:t/>
+            </a:r>
+            <a:endParaRPr sz="1900"/>
+          </a:p>
+          <a:p>
+            <a:pPr indent="0" lvl="0" marL="0" marR="0" rtl="0" algn="l">
+              <a:lnSpc>
+                <a:spcPct val="115000"/>
+              </a:lnSpc>
+              <a:spcBef>
+                <a:spcPts val="0"/>
+              </a:spcBef>
+              <a:spcAft>
+                <a:spcPts val="0"/>
+              </a:spcAft>
+              <a:buNone/>
+            </a:pPr>
+            <a:r>
+              <a:rPr lang="de-CH" sz="1900"/>
+              <a:t>Positives</a:t>
+            </a:r>
+            <a:endParaRPr sz="1900"/>
+          </a:p>
+          <a:p>
+            <a:pPr indent="-349250" lvl="0" marL="457200" marR="0" rtl="0" algn="l">
+              <a:lnSpc>
+                <a:spcPct val="115000"/>
+              </a:lnSpc>
+              <a:spcBef>
+                <a:spcPts val="0"/>
+              </a:spcBef>
+              <a:spcAft>
+                <a:spcPts val="0"/>
+              </a:spcAft>
+              <a:buSzPts val="1900"/>
+              <a:buChar char="•"/>
+            </a:pPr>
+            <a:r>
+              <a:rPr lang="de-CH" sz="1900"/>
+              <a:t>A server can be bound to a same IP address and more than one ‘local-port’</a:t>
+            </a:r>
+            <a:endParaRPr sz="1900"/>
+          </a:p>
+          <a:p>
+            <a:pPr indent="0" lvl="0" marL="0" marR="0" rtl="0" algn="l">
+              <a:lnSpc>
+                <a:spcPct val="115000"/>
+              </a:lnSpc>
+              <a:spcBef>
+                <a:spcPts val="0"/>
+              </a:spcBef>
+              <a:spcAft>
+                <a:spcPts val="0"/>
+              </a:spcAft>
+              <a:buNone/>
+            </a:pPr>
+            <a:r>
+              <a:t/>
+            </a:r>
+            <a:endParaRPr sz="1900"/>
+          </a:p>
+          <a:p>
+            <a:pPr indent="0" lvl="0" marL="0" marR="0" rtl="0" algn="l">
+              <a:lnSpc>
+                <a:spcPct val="115000"/>
+              </a:lnSpc>
+              <a:spcBef>
+                <a:spcPts val="0"/>
+              </a:spcBef>
+              <a:spcAft>
+                <a:spcPts val="0"/>
+              </a:spcAft>
+              <a:buNone/>
+            </a:pPr>
+            <a:r>
+              <a:rPr lang="de-CH" sz="1900"/>
+              <a:t>Drawbacks</a:t>
+            </a:r>
+            <a:endParaRPr sz="1900"/>
+          </a:p>
+          <a:p>
+            <a:pPr indent="-349250" lvl="0" marL="457200" marR="0" rtl="0" algn="l">
+              <a:lnSpc>
+                <a:spcPct val="115000"/>
+              </a:lnSpc>
+              <a:spcBef>
+                <a:spcPts val="0"/>
+              </a:spcBef>
+              <a:spcAft>
+                <a:spcPts val="0"/>
+              </a:spcAft>
+              <a:buSzPts val="1900"/>
+              <a:buChar char="•"/>
+            </a:pPr>
+            <a:r>
+              <a:rPr lang="de-CH" sz="1900"/>
+              <a:t>Not consistent anymore with TCP server grouping</a:t>
+            </a:r>
+            <a:endParaRPr sz="1900"/>
+          </a:p>
+          <a:p>
+            <a:pPr indent="0" lvl="0" marL="0" marR="0" rtl="0" algn="l">
+              <a:lnSpc>
+                <a:spcPct val="115000"/>
+              </a:lnSpc>
+              <a:spcBef>
+                <a:spcPts val="0"/>
+              </a:spcBef>
+              <a:spcAft>
+                <a:spcPts val="0"/>
+              </a:spcAft>
+              <a:buNone/>
+            </a:pPr>
+            <a:r>
+              <a:t/>
+            </a:r>
+            <a:endParaRPr sz="1900"/>
+          </a:p>
+          <a:p>
+            <a:pPr indent="0" lvl="0" marL="0" marR="0" rtl="0" algn="l">
+              <a:lnSpc>
+                <a:spcPct val="115000"/>
+              </a:lnSpc>
+              <a:spcBef>
+                <a:spcPts val="0"/>
+              </a:spcBef>
+              <a:spcAft>
+                <a:spcPts val="0"/>
+              </a:spcAft>
+              <a:buNone/>
+            </a:pPr>
+            <a:r>
+              <a:t/>
+            </a:r>
+            <a:endParaRPr sz="1900"/>
+          </a:p>
+        </p:txBody>
+      </p:sp>
+      <p:sp>
+        <p:nvSpPr>
+          <p:cNvPr id="129" name="Google Shape;129;p17"/>
+          <p:cNvSpPr txBox="1"/>
+          <p:nvPr>
+            <p:ph idx="12" type="sldNum"/>
+          </p:nvPr>
+        </p:nvSpPr>
+        <p:spPr>
+          <a:xfrm>
+            <a:off x="11587892" y="6361637"/>
+            <a:ext cx="414300" cy="365100"/>
+          </a:xfrm>
+          <a:prstGeom prst="rect">
+            <a:avLst/>
+          </a:prstGeom>
+          <a:noFill/>
+          <a:ln>
+            <a:noFill/>
+          </a:ln>
+        </p:spPr>
+        <p:txBody>
+          <a:bodyPr anchorCtr="0" anchor="ctr" bIns="45700" lIns="91425" spcFirstLastPara="1" rIns="91425" wrap="square" tIns="45700">
+            <a:noAutofit/>
+          </a:bodyPr>
+          <a:lstStyle/>
+          <a:p>
+            <a:pPr indent="0" lvl="0" marL="0" rtl="0" algn="r">
+              <a:spcBef>
+                <a:spcPts val="0"/>
+              </a:spcBef>
+              <a:spcAft>
+                <a:spcPts val="0"/>
+              </a:spcAft>
+              <a:buClr>
+                <a:srgbClr val="000000"/>
+              </a:buClr>
+              <a:buSzPts val="1200"/>
+              <a:buFont typeface="Arial"/>
+              <a:buNone/>
+            </a:pPr>
+            <a:fld id="{00000000-1234-1234-1234-123412341234}" type="slidenum">
+              <a:rPr lang="de-CH"/>
+              <a:t>‹#›</a:t>
+            </a:fld>
+            <a:endParaRPr/>
+          </a:p>
+        </p:txBody>
+      </p:sp>
+      <p:pic>
+        <p:nvPicPr>
+          <p:cNvPr id="130" name="Google Shape;130;p17" title="Screenshot 2025-03-15 at 15.25.57.png"/>
+          <p:cNvPicPr preferRelativeResize="0"/>
+          <p:nvPr/>
+        </p:nvPicPr>
+        <p:blipFill>
+          <a:blip r:embed="rId3">
+            <a:alphaModFix/>
+          </a:blip>
+          <a:stretch>
+            <a:fillRect/>
+          </a:stretch>
+        </p:blipFill>
+        <p:spPr>
+          <a:xfrm>
+            <a:off x="6673375" y="2035125"/>
+            <a:ext cx="5197151" cy="1579525"/>
+          </a:xfrm>
+          <a:prstGeom prst="rect">
+            <a:avLst/>
+          </a:prstGeom>
+          <a:noFill/>
+          <a:ln>
+            <a:noFill/>
+          </a:ln>
+        </p:spPr>
+      </p:pic>
+      <p:sp>
+        <p:nvSpPr>
+          <p:cNvPr id="131" name="Google Shape;131;p17"/>
+          <p:cNvSpPr txBox="1"/>
+          <p:nvPr/>
+        </p:nvSpPr>
+        <p:spPr>
+          <a:xfrm>
+            <a:off x="7756663" y="1331325"/>
+            <a:ext cx="3030600" cy="615600"/>
+          </a:xfrm>
+          <a:prstGeom prst="rect">
+            <a:avLst/>
+          </a:prstGeom>
+          <a:noFill/>
+          <a:ln>
+            <a:noFill/>
+          </a:ln>
+        </p:spPr>
+        <p:txBody>
+          <a:bodyPr anchorCtr="0" anchor="t" bIns="91425" lIns="91425" spcFirstLastPara="1" rIns="91425" wrap="square" tIns="91425">
+            <a:spAutoFit/>
+          </a:bodyPr>
+          <a:lstStyle/>
+          <a:p>
+            <a:pPr indent="0" lvl="0" marL="0" rtl="0" algn="ctr">
+              <a:spcBef>
+                <a:spcPts val="0"/>
+              </a:spcBef>
+              <a:spcAft>
+                <a:spcPts val="0"/>
+              </a:spcAft>
+              <a:buNone/>
+            </a:pPr>
+            <a:r>
+              <a:rPr lang="de-CH" sz="2800">
+                <a:solidFill>
+                  <a:schemeClr val="dk1"/>
+                </a:solidFill>
+                <a:latin typeface="Calibri"/>
+                <a:ea typeface="Calibri"/>
+                <a:cs typeface="Calibri"/>
+                <a:sym typeface="Calibri"/>
+              </a:rPr>
+              <a:t>Current iteration</a:t>
+            </a:r>
+            <a:endParaRPr sz="2800">
+              <a:solidFill>
+                <a:schemeClr val="dk1"/>
+              </a:solidFill>
+              <a:latin typeface="Calibri"/>
+              <a:ea typeface="Calibri"/>
+              <a:cs typeface="Calibri"/>
+              <a:sym typeface="Calibri"/>
+            </a:endParaRPr>
+          </a:p>
+        </p:txBody>
+      </p:sp>
+      <p:pic>
+        <p:nvPicPr>
+          <p:cNvPr id="132" name="Google Shape;132;p17" title="Screenshot 2025-03-15 at 15.36.07.png"/>
+          <p:cNvPicPr preferRelativeResize="0"/>
+          <p:nvPr/>
+        </p:nvPicPr>
+        <p:blipFill>
+          <a:blip r:embed="rId4">
+            <a:alphaModFix/>
+          </a:blip>
+          <a:stretch>
+            <a:fillRect/>
+          </a:stretch>
+        </p:blipFill>
+        <p:spPr>
+          <a:xfrm>
+            <a:off x="6673369" y="4462600"/>
+            <a:ext cx="5197155" cy="1579525"/>
+          </a:xfrm>
+          <a:prstGeom prst="rect">
+            <a:avLst/>
+          </a:prstGeom>
+          <a:noFill/>
+          <a:ln>
+            <a:noFill/>
+          </a:ln>
+        </p:spPr>
+      </p:pic>
+      <p:sp>
+        <p:nvSpPr>
+          <p:cNvPr id="133" name="Google Shape;133;p17"/>
+          <p:cNvSpPr txBox="1"/>
+          <p:nvPr/>
+        </p:nvSpPr>
+        <p:spPr>
+          <a:xfrm>
+            <a:off x="7756638" y="3730825"/>
+            <a:ext cx="3030600" cy="615600"/>
+          </a:xfrm>
+          <a:prstGeom prst="rect">
+            <a:avLst/>
+          </a:prstGeom>
+          <a:noFill/>
+          <a:ln>
+            <a:noFill/>
+          </a:ln>
+        </p:spPr>
+        <p:txBody>
+          <a:bodyPr anchorCtr="0" anchor="t" bIns="91425" lIns="91425" spcFirstLastPara="1" rIns="91425" wrap="square" tIns="91425">
+            <a:spAutoFit/>
+          </a:bodyPr>
+          <a:lstStyle/>
+          <a:p>
+            <a:pPr indent="0" lvl="0" marL="0" rtl="0" algn="ctr">
+              <a:spcBef>
+                <a:spcPts val="0"/>
+              </a:spcBef>
+              <a:spcAft>
+                <a:spcPts val="0"/>
+              </a:spcAft>
+              <a:buNone/>
+            </a:pPr>
+            <a:r>
+              <a:rPr lang="de-CH" sz="2800">
+                <a:solidFill>
+                  <a:schemeClr val="dk1"/>
+                </a:solidFill>
+                <a:latin typeface="Calibri"/>
+                <a:ea typeface="Calibri"/>
+                <a:cs typeface="Calibri"/>
+                <a:sym typeface="Calibri"/>
+              </a:rPr>
+              <a:t>Proposal</a:t>
+            </a:r>
+            <a:endParaRPr sz="2800">
+              <a:solidFill>
+                <a:schemeClr val="dk1"/>
+              </a:solidFill>
+              <a:latin typeface="Calibri"/>
+              <a:ea typeface="Calibri"/>
+              <a:cs typeface="Calibri"/>
+              <a:sym typeface="Calibri"/>
+            </a:endParaRPr>
+          </a:p>
+        </p:txBody>
+      </p:sp>
+    </p:spTree>
+  </p:cSld>
+  <p:clrMapOvr>
+    <a:masterClrMapping/>
+  </p:clrMapOvr>
+</p:sld>
+</file>
+
+<file path=ppt/slides/slide6.xml><?xml version="1.0" encoding="utf-8"?>
+<p:sld xmlns:a="http://schemas.openxmlformats.org/drawingml/2006/main" xmlns:r="http://schemas.openxmlformats.org/officeDocument/2006/relationships" xmlns:mc="http://schemas.openxmlformats.org/markup-compatibility/2006" xmlns:mv="urn:schemas-microsoft-com:mac:vml" xmlns:p="http://schemas.openxmlformats.org/presentationml/2006/main" xmlns:c="http://schemas.openxmlformats.org/drawingml/2006/chart" xmlns:dgm="http://schemas.openxmlformats.org/drawingml/2006/diagram" xmlns:o="urn:schemas-microsoft-com:office:office" xmlns:v="urn:schemas-microsoft-com:vml" xmlns:pvml="urn:schemas-microsoft-com:office:powerpoint" xmlns:com="http://schemas.openxmlformats.org/drawingml/2006/compatibility" xmlns:p14="http://schemas.microsoft.com/office/powerpoint/2010/main" xmlns:p15="http://schemas.microsoft.com/office/powerpoint/2012/main" xmlns:ahyp="http://schemas.microsoft.com/office/drawing/2018/hyperlinkcolor">
+  <p:cSld>
+    <p:spTree>
+      <p:nvGrpSpPr>
+        <p:cNvPr id="138" name="Shape 138"/>
+        <p:cNvGrpSpPr/>
+        <p:nvPr/>
+      </p:nvGrpSpPr>
+      <p:grpSpPr>
+        <a:xfrm>
+          <a:off x="0" y="0"/>
+          <a:ext cx="0" cy="0"/>
+          <a:chOff x="0" y="0"/>
+          <a:chExt cx="0" cy="0"/>
+        </a:xfrm>
+      </p:grpSpPr>
+      <p:sp>
+        <p:nvSpPr>
+          <p:cNvPr id="139" name="Google Shape;139;p18"/>
           <p:cNvSpPr txBox="1"/>
           <p:nvPr>
             <p:ph type="title"/>
@@ -16810,12 +18096,12 @@
 </p:sld>
 </file>
 
-<file path=ppt/slides/slide5.xml><?xml version="1.0" encoding="utf-8"?>
+<file path=ppt/slides/slide7.xml><?xml version="1.0" encoding="utf-8"?>
 <p:sld xmlns:a="http://schemas.openxmlformats.org/drawingml/2006/main" xmlns:r="http://schemas.openxmlformats.org/officeDocument/2006/relationships" xmlns:mc="http://schemas.openxmlformats.org/markup-compatibility/2006" xmlns:mv="urn:schemas-microsoft-com:mac:vml" xmlns:p="http://schemas.openxmlformats.org/presentationml/2006/main" xmlns:c="http://schemas.openxmlformats.org/drawingml/2006/chart" xmlns:dgm="http://schemas.openxmlformats.org/drawingml/2006/diagram" xmlns:o="urn:schemas-microsoft-com:office:office" xmlns:v="urn:schemas-microsoft-com:vml" xmlns:pvml="urn:schemas-microsoft-com:office:powerpoint" xmlns:com="http://schemas.openxmlformats.org/drawingml/2006/compatibility" xmlns:p14="http://schemas.microsoft.com/office/powerpoint/2010/main" xmlns:p15="http://schemas.microsoft.com/office/powerpoint/2012/main" xmlns:ahyp="http://schemas.microsoft.com/office/drawing/2018/hyperlinkcolor">
   <p:cSld>
     <p:spTree>
       <p:nvGrpSpPr>
-        <p:cNvPr id="119" name="Shape 119"/>
+        <p:cNvPr id="143" name="Shape 143"/>
         <p:cNvGrpSpPr/>
         <p:nvPr/>
       </p:nvGrpSpPr>
@@ -16829,7 +18115,7 @@
       </p:grpSpPr>
       <p:pic>
         <p:nvPicPr>
-          <p:cNvPr id="120" name="Google Shape;120;p17"/>
+          <p:cNvPr id="144" name="Google Shape;144;p19"/>
           <p:cNvPicPr preferRelativeResize="0"/>
           <p:nvPr/>
         </p:nvPicPr>
@@ -16857,7 +18143,7 @@
       </p:pic>
       <p:sp>
         <p:nvSpPr>
-          <p:cNvPr id="121" name="Google Shape;121;p17"/>
+          <p:cNvPr id="145" name="Google Shape;145;p19"/>
           <p:cNvSpPr txBox="1"/>
           <p:nvPr>
             <p:ph type="title"/>
@@ -16920,7 +18206,7 @@
       </p:sp>
       <p:sp>
         <p:nvSpPr>
-          <p:cNvPr id="122" name="Google Shape;122;p17"/>
+          <p:cNvPr id="146" name="Google Shape;146;p19"/>
           <p:cNvSpPr txBox="1"/>
           <p:nvPr>
             <p:ph idx="12" type="sldNum"/>
@@ -16969,7 +18255,7 @@
       </p:sp>
       <p:sp>
         <p:nvSpPr>
-          <p:cNvPr id="123" name="Google Shape;123;p17"/>
+          <p:cNvPr id="147" name="Google Shape;147;p19"/>
           <p:cNvSpPr txBox="1"/>
           <p:nvPr/>
         </p:nvSpPr>
@@ -17027,7 +18313,7 @@
       </p:sp>
       <p:sp>
         <p:nvSpPr>
-          <p:cNvPr id="124" name="Google Shape;124;p17"/>
+          <p:cNvPr id="148" name="Google Shape;148;p19"/>
           <p:cNvSpPr txBox="1"/>
           <p:nvPr/>
         </p:nvSpPr>
@@ -17085,7 +18371,7 @@
       </p:sp>
       <p:pic>
         <p:nvPicPr>
-          <p:cNvPr id="125" name="Google Shape;125;p17"/>
+          <p:cNvPr id="149" name="Google Shape;149;p19"/>
           <p:cNvPicPr preferRelativeResize="0"/>
           <p:nvPr/>
         </p:nvPicPr>
@@ -17113,7 +18399,7 @@
       </p:pic>
       <p:pic>
         <p:nvPicPr>
-          <p:cNvPr id="126" name="Google Shape;126;p17"/>
+          <p:cNvPr id="150" name="Google Shape;150;p19"/>
           <p:cNvPicPr preferRelativeResize="0"/>
           <p:nvPr/>
         </p:nvPicPr>
@@ -17141,7 +18427,7 @@
       </p:pic>
       <p:sp>
         <p:nvSpPr>
-          <p:cNvPr id="127" name="Google Shape;127;p17"/>
+          <p:cNvPr id="151" name="Google Shape;151;p19"/>
           <p:cNvSpPr/>
           <p:nvPr/>
         </p:nvSpPr>
@@ -17193,7 +18479,7 @@
       </p:sp>
       <p:sp>
         <p:nvSpPr>
-          <p:cNvPr id="128" name="Google Shape;128;p17"/>
+          <p:cNvPr id="152" name="Google Shape;152;p19"/>
           <p:cNvSpPr/>
           <p:nvPr/>
         </p:nvSpPr>
@@ -17245,7 +18531,7 @@
       </p:sp>
       <p:pic>
         <p:nvPicPr>
-          <p:cNvPr id="129" name="Google Shape;129;p17"/>
+          <p:cNvPr id="153" name="Google Shape;153;p19"/>
           <p:cNvPicPr preferRelativeResize="0"/>
           <p:nvPr/>
         </p:nvPicPr>
@@ -17272,7 +18558,7 @@
       </p:pic>
       <p:sp>
         <p:nvSpPr>
-          <p:cNvPr id="130" name="Google Shape;130;p17"/>
+          <p:cNvPr id="154" name="Google Shape;154;p19"/>
           <p:cNvSpPr/>
           <p:nvPr/>
         </p:nvSpPr>

--- a/122/NETCONF/draft-ietf-netconf-udp-client-server-06.pptx
+++ b/122/NETCONF/draft-ietf-netconf-udp-client-server-06.pptx
@@ -2080,7 +2080,7 @@
   <p:cSld>
     <p:spTree>
       <p:nvGrpSpPr>
-        <p:cNvPr id="123" name="Shape 123"/>
+        <p:cNvPr id="124" name="Shape 124"/>
         <p:cNvGrpSpPr/>
         <p:nvPr/>
       </p:nvGrpSpPr>
@@ -2094,7 +2094,7 @@
       </p:grpSpPr>
       <p:sp>
         <p:nvSpPr>
-          <p:cNvPr id="124" name="Google Shape;124;g335d839b236_0_19:notes"/>
+          <p:cNvPr id="125" name="Google Shape;125;g335d839b236_0_19:notes"/>
           <p:cNvSpPr txBox="1"/>
           <p:nvPr>
             <p:ph idx="1" type="body"/>
@@ -2133,7 +2133,7 @@
       </p:sp>
       <p:sp>
         <p:nvSpPr>
-          <p:cNvPr id="125" name="Google Shape;125;g335d839b236_0_19:notes"/>
+          <p:cNvPr id="126" name="Google Shape;126;g335d839b236_0_19:notes"/>
           <p:cNvSpPr/>
           <p:nvPr>
             <p:ph idx="2" type="sldImg"/>
@@ -2179,7 +2179,7 @@
   <p:cSld>
     <p:spTree>
       <p:nvGrpSpPr>
-        <p:cNvPr id="134" name="Shape 134"/>
+        <p:cNvPr id="136" name="Shape 136"/>
         <p:cNvGrpSpPr/>
         <p:nvPr/>
       </p:nvGrpSpPr>
@@ -2193,7 +2193,7 @@
       </p:grpSpPr>
       <p:sp>
         <p:nvSpPr>
-          <p:cNvPr id="135" name="Google Shape;135;g33a1605ce7f_0_2:notes"/>
+          <p:cNvPr id="137" name="Google Shape;137;g33a1605ce7f_0_2:notes"/>
           <p:cNvSpPr/>
           <p:nvPr>
             <p:ph idx="2" type="sldImg"/>
@@ -2228,7 +2228,7 @@
       </p:sp>
       <p:sp>
         <p:nvSpPr>
-          <p:cNvPr id="136" name="Google Shape;136;g33a1605ce7f_0_2:notes"/>
+          <p:cNvPr id="138" name="Google Shape;138;g33a1605ce7f_0_2:notes"/>
           <p:cNvSpPr txBox="1"/>
           <p:nvPr>
             <p:ph idx="1" type="body"/>
@@ -2267,7 +2267,7 @@
       </p:sp>
       <p:sp>
         <p:nvSpPr>
-          <p:cNvPr id="137" name="Google Shape;137;g33a1605ce7f_0_2:notes"/>
+          <p:cNvPr id="139" name="Google Shape;139;g33a1605ce7f_0_2:notes"/>
           <p:cNvSpPr txBox="1"/>
           <p:nvPr>
             <p:ph idx="12" type="sldNum"/>
@@ -2323,7 +2323,7 @@
   <p:cSld>
     <p:spTree>
       <p:nvGrpSpPr>
-        <p:cNvPr id="140" name="Shape 140"/>
+        <p:cNvPr id="142" name="Shape 142"/>
         <p:cNvGrpSpPr/>
         <p:nvPr/>
       </p:nvGrpSpPr>
@@ -2337,7 +2337,7 @@
       </p:grpSpPr>
       <p:sp>
         <p:nvSpPr>
-          <p:cNvPr id="141" name="Google Shape;141;g30dcc07dc17_0_6:notes"/>
+          <p:cNvPr id="143" name="Google Shape;143;g30dcc07dc17_0_6:notes"/>
           <p:cNvSpPr txBox="1"/>
           <p:nvPr>
             <p:ph idx="1" type="body"/>
@@ -2376,7 +2376,7 @@
       </p:sp>
       <p:sp>
         <p:nvSpPr>
-          <p:cNvPr id="142" name="Google Shape;142;g30dcc07dc17_0_6:notes"/>
+          <p:cNvPr id="144" name="Google Shape;144;g30dcc07dc17_0_6:notes"/>
           <p:cNvSpPr/>
           <p:nvPr>
             <p:ph idx="2" type="sldImg"/>
@@ -17087,7 +17087,7 @@
             </a:pPr>
             <a:r>
               <a:rPr lang="de-CH" sz="1900"/>
-              <a:t>Reason: only local-address is present on the ‘local-bind’ list</a:t>
+              <a:t>Reason: only ‘local-address’ is present on the ‘local-bind’ key</a:t>
             </a:r>
             <a:endParaRPr sz="1900"/>
           </a:p>
@@ -17108,6 +17108,26 @@
             <a:r>
               <a:rPr lang="de-CH" sz="1900"/>
               <a:t>Note this is implemented similarly in TCP server grouping</a:t>
+            </a:r>
+            <a:endParaRPr sz="1900"/>
+          </a:p>
+          <a:p>
+            <a:pPr indent="-349250" lvl="2" marL="1371600" marR="0" rtl="0" algn="l">
+              <a:lnSpc>
+                <a:spcPct val="115000"/>
+              </a:lnSpc>
+              <a:spcBef>
+                <a:spcPts val="0"/>
+              </a:spcBef>
+              <a:spcAft>
+                <a:spcPts val="0"/>
+              </a:spcAft>
+              <a:buSzPts val="1900"/>
+              <a:buChar char="•"/>
+            </a:pPr>
+            <a:r>
+              <a:rPr lang="de-CH" sz="1900"/>
+              <a:t>Was discussed on the ML [1]</a:t>
             </a:r>
             <a:endParaRPr sz="1900"/>
           </a:p>
@@ -17516,6 +17536,73 @@
           </a:p>
         </p:txBody>
       </p:sp>
+      <p:sp>
+        <p:nvSpPr>
+          <p:cNvPr id="123" name="Google Shape;123;p16"/>
+          <p:cNvSpPr txBox="1"/>
+          <p:nvPr/>
+        </p:nvSpPr>
+        <p:spPr>
+          <a:xfrm>
+            <a:off x="849575" y="6218625"/>
+            <a:ext cx="9687000" cy="400200"/>
+          </a:xfrm>
+          <a:prstGeom prst="rect">
+            <a:avLst/>
+          </a:prstGeom>
+          <a:noFill/>
+          <a:ln>
+            <a:noFill/>
+          </a:ln>
+        </p:spPr>
+        <p:txBody>
+          <a:bodyPr anchorCtr="0" anchor="t" bIns="91425" lIns="91425" spcFirstLastPara="1" rIns="91425" wrap="square" tIns="91425">
+            <a:spAutoFit/>
+          </a:bodyPr>
+          <a:lstStyle/>
+          <a:p>
+            <a:pPr indent="0" lvl="0" marL="0" rtl="0" algn="l">
+              <a:spcBef>
+                <a:spcPts val="0"/>
+              </a:spcBef>
+              <a:spcAft>
+                <a:spcPts val="0"/>
+              </a:spcAft>
+              <a:buNone/>
+            </a:pPr>
+            <a:r>
+              <a:rPr lang="de-CH">
+                <a:solidFill>
+                  <a:schemeClr val="dk1"/>
+                </a:solidFill>
+                <a:latin typeface="Calibri"/>
+                <a:ea typeface="Calibri"/>
+                <a:cs typeface="Calibri"/>
+                <a:sym typeface="Calibri"/>
+              </a:rPr>
+              <a:t>[1] </a:t>
+            </a:r>
+            <a:r>
+              <a:rPr lang="de-CH" sz="1100" u="sng">
+                <a:solidFill>
+                  <a:schemeClr val="hlink"/>
+                </a:solidFill>
+                <a:hlinkClick r:id="rId5"/>
+              </a:rPr>
+              <a:t>https://mailarchive.ietf.org/arch/msg/netconf/yGrkdcOZFIvLTBl0Fu6w__xxUNA/</a:t>
+            </a:r>
+            <a:endParaRPr>
+              <a:solidFill>
+                <a:schemeClr val="dk1"/>
+              </a:solidFill>
+              <a:latin typeface="Calibri"/>
+              <a:ea typeface="Calibri"/>
+              <a:cs typeface="Calibri"/>
+              <a:sym typeface="Calibri"/>
+            </a:endParaRPr>
+          </a:p>
+        </p:txBody>
+      </p:sp>
     </p:spTree>
   </p:cSld>
   <p:clrMapOvr>
@@ -17529,7 +17616,7 @@
   <p:cSld>
     <p:spTree>
       <p:nvGrpSpPr>
-        <p:cNvPr id="126" name="Shape 126"/>
+        <p:cNvPr id="127" name="Shape 127"/>
         <p:cNvGrpSpPr/>
         <p:nvPr/>
       </p:nvGrpSpPr>
@@ -17543,7 +17630,7 @@
       </p:grpSpPr>
       <p:sp>
         <p:nvSpPr>
-          <p:cNvPr id="127" name="Google Shape;127;p17"/>
+          <p:cNvPr id="128" name="Google Shape;128;p17"/>
           <p:cNvSpPr txBox="1"/>
           <p:nvPr>
             <p:ph type="title"/>
@@ -17606,7 +17693,7 @@
       </p:sp>
       <p:sp>
         <p:nvSpPr>
-          <p:cNvPr id="128" name="Google Shape;128;p17"/>
+          <p:cNvPr id="129" name="Google Shape;129;p17"/>
           <p:cNvSpPr txBox="1"/>
           <p:nvPr>
             <p:ph idx="1" type="body"/>
@@ -17651,43 +17738,6 @@
             <a:endParaRPr sz="1900"/>
           </a:p>
           <a:p>
-            <a:pPr indent="0" lvl="0" marL="0" marR="0" rtl="0" algn="l">
-              <a:lnSpc>
-                <a:spcPct val="115000"/>
-              </a:lnSpc>
-              <a:spcBef>
-                <a:spcPts val="0"/>
-              </a:spcBef>
-              <a:spcAft>
-                <a:spcPts val="0"/>
-              </a:spcAft>
-              <a:buNone/>
-            </a:pPr>
-            <a:r>
-              <a:t/>
-            </a:r>
-            <a:endParaRPr sz="1900"/>
-          </a:p>
-          <a:p>
-            <a:pPr indent="0" lvl="0" marL="0" marR="0" rtl="0" algn="l">
-              <a:lnSpc>
-                <a:spcPct val="115000"/>
-              </a:lnSpc>
-              <a:spcBef>
-                <a:spcPts val="0"/>
-              </a:spcBef>
-              <a:spcAft>
-                <a:spcPts val="0"/>
-              </a:spcAft>
-              <a:buNone/>
-            </a:pPr>
-            <a:r>
-              <a:rPr lang="de-CH" sz="1900"/>
-              <a:t>Positives</a:t>
-            </a:r>
-            <a:endParaRPr sz="1900"/>
-          </a:p>
-          <a:p>
             <a:pPr indent="-349250" lvl="0" marL="457200" marR="0" rtl="0" algn="l">
               <a:lnSpc>
                 <a:spcPct val="115000"/>
@@ -17703,49 +17753,12 @@
             </a:pPr>
             <a:r>
               <a:rPr lang="de-CH" sz="1900"/>
-              <a:t>A server can be bound to a same IP address and more than one ‘local-port’</a:t>
+              <a:t>We should decide and move on (poll?):</a:t>
             </a:r>
             <a:endParaRPr sz="1900"/>
           </a:p>
           <a:p>
-            <a:pPr indent="0" lvl="0" marL="0" marR="0" rtl="0" algn="l">
-              <a:lnSpc>
-                <a:spcPct val="115000"/>
-              </a:lnSpc>
-              <a:spcBef>
-                <a:spcPts val="0"/>
-              </a:spcBef>
-              <a:spcAft>
-                <a:spcPts val="0"/>
-              </a:spcAft>
-              <a:buNone/>
-            </a:pPr>
-            <a:r>
-              <a:t/>
-            </a:r>
-            <a:endParaRPr sz="1900"/>
-          </a:p>
-          <a:p>
-            <a:pPr indent="0" lvl="0" marL="0" marR="0" rtl="0" algn="l">
-              <a:lnSpc>
-                <a:spcPct val="115000"/>
-              </a:lnSpc>
-              <a:spcBef>
-                <a:spcPts val="0"/>
-              </a:spcBef>
-              <a:spcAft>
-                <a:spcPts val="0"/>
-              </a:spcAft>
-              <a:buNone/>
-            </a:pPr>
-            <a:r>
-              <a:rPr lang="de-CH" sz="1900"/>
-              <a:t>Drawbacks</a:t>
-            </a:r>
-            <a:endParaRPr sz="1900"/>
-          </a:p>
-          <a:p>
-            <a:pPr indent="-349250" lvl="0" marL="457200" marR="0" rtl="0" algn="l">
+            <a:pPr indent="-349250" lvl="1" marL="914400" marR="0" rtl="0" algn="l">
               <a:lnSpc>
                 <a:spcPct val="115000"/>
               </a:lnSpc>
@@ -17760,12 +17773,12 @@
             </a:pPr>
             <a:r>
               <a:rPr lang="de-CH" sz="1900"/>
-              <a:t>Not consistent anymore with TCP server grouping</a:t>
+              <a:t>Option A: without changes</a:t>
             </a:r>
             <a:endParaRPr sz="1900"/>
           </a:p>
           <a:p>
-            <a:pPr indent="0" lvl="0" marL="0" marR="0" rtl="0" algn="l">
+            <a:pPr indent="-349250" lvl="1" marL="914400" marR="0" rtl="0" algn="l">
               <a:lnSpc>
                 <a:spcPct val="115000"/>
               </a:lnSpc>
@@ -17775,10 +17788,12 @@
               <a:spcAft>
                 <a:spcPts val="0"/>
               </a:spcAft>
-              <a:buNone/>
+              <a:buSzPts val="1900"/>
+              <a:buChar char="•"/>
             </a:pPr>
             <a:r>
-              <a:t/>
+              <a:rPr lang="de-CH" sz="1900"/>
+              <a:t>Option B: ‘local-port’ as a leaf-list</a:t>
             </a:r>
             <a:endParaRPr sz="1900"/>
           </a:p>
@@ -17804,7 +17819,7 @@
       </p:sp>
       <p:sp>
         <p:nvSpPr>
-          <p:cNvPr id="129" name="Google Shape;129;p17"/>
+          <p:cNvPr id="130" name="Google Shape;130;p17"/>
           <p:cNvSpPr txBox="1"/>
           <p:nvPr>
             <p:ph idx="12" type="sldNum"/>
@@ -17853,7 +17868,7 @@
       </p:sp>
       <p:pic>
         <p:nvPicPr>
-          <p:cNvPr id="130" name="Google Shape;130;p17" title="Screenshot 2025-03-15 at 15.25.57.png"/>
+          <p:cNvPr id="131" name="Google Shape;131;p17" title="Screenshot 2025-03-15 at 15.25.57.png"/>
           <p:cNvPicPr preferRelativeResize="0"/>
           <p:nvPr/>
         </p:nvPicPr>
@@ -17881,7 +17896,7 @@
       </p:pic>
       <p:sp>
         <p:nvSpPr>
-          <p:cNvPr id="131" name="Google Shape;131;p17"/>
+          <p:cNvPr id="132" name="Google Shape;132;p17"/>
           <p:cNvSpPr txBox="1"/>
           <p:nvPr/>
         </p:nvSpPr>
@@ -17939,7 +17954,7 @@
       </p:sp>
       <p:pic>
         <p:nvPicPr>
-          <p:cNvPr id="132" name="Google Shape;132;p17" title="Screenshot 2025-03-15 at 15.36.07.png"/>
+          <p:cNvPr id="133" name="Google Shape;133;p17" title="Screenshot 2025-03-15 at 15.36.07.png"/>
           <p:cNvPicPr preferRelativeResize="0"/>
           <p:nvPr/>
         </p:nvPicPr>
@@ -17967,7 +17982,7 @@
       </p:pic>
       <p:sp>
         <p:nvSpPr>
-          <p:cNvPr id="133" name="Google Shape;133;p17"/>
+          <p:cNvPr id="134" name="Google Shape;134;p17"/>
           <p:cNvSpPr txBox="1"/>
           <p:nvPr/>
         </p:nvSpPr>
@@ -18023,6 +18038,58 @@
           </a:p>
         </p:txBody>
       </p:sp>
+      <p:sp>
+        <p:nvSpPr>
+          <p:cNvPr id="135" name="Google Shape;135;p17"/>
+          <p:cNvSpPr/>
+          <p:nvPr/>
+        </p:nvSpPr>
+        <p:spPr>
+          <a:xfrm>
+            <a:off x="7856475" y="5623050"/>
+            <a:ext cx="1357500" cy="273300"/>
+          </a:xfrm>
+          <a:prstGeom prst="rect">
+            <a:avLst/>
+          </a:prstGeom>
+          <a:noFill/>
+          <a:ln cap="flat" cmpd="sng" w="19050">
+            <a:solidFill>
+              <a:srgbClr val="FF0000"/>
+            </a:solidFill>
+            <a:prstDash val="solid"/>
+            <a:round/>
+            <a:headEnd len="sm" w="sm" type="none"/>
+            <a:tailEnd len="sm" w="sm" type="none"/>
+          </a:ln>
+        </p:spPr>
+        <p:txBody>
+          <a:bodyPr anchorCtr="0" anchor="ctr" bIns="91425" lIns="91425" spcFirstLastPara="1" rIns="91425" wrap="square" tIns="91425">
+            <a:noAutofit/>
+          </a:bodyPr>
+          <a:lstStyle/>
+          <a:p>
+            <a:pPr indent="0" lvl="0" marL="0" rtl="0" algn="ctr">
+              <a:spcBef>
+                <a:spcPts val="0"/>
+              </a:spcBef>
+              <a:spcAft>
+                <a:spcPts val="0"/>
+              </a:spcAft>
+              <a:buNone/>
+            </a:pPr>
+            <a:r>
+              <a:t/>
+            </a:r>
+            <a:endParaRPr>
+              <a:latin typeface="Calibri"/>
+              <a:ea typeface="Calibri"/>
+              <a:cs typeface="Calibri"/>
+              <a:sym typeface="Calibri"/>
+            </a:endParaRPr>
+          </a:p>
+        </p:txBody>
+      </p:sp>
     </p:spTree>
   </p:cSld>
   <p:clrMapOvr>
@@ -18036,7 +18103,7 @@
   <p:cSld>
     <p:spTree>
       <p:nvGrpSpPr>
-        <p:cNvPr id="138" name="Shape 138"/>
+        <p:cNvPr id="140" name="Shape 140"/>
         <p:cNvGrpSpPr/>
         <p:nvPr/>
       </p:nvGrpSpPr>
@@ -18050,7 +18117,7 @@
       </p:grpSpPr>
       <p:sp>
         <p:nvSpPr>
-          <p:cNvPr id="139" name="Google Shape;139;p18"/>
+          <p:cNvPr id="141" name="Google Shape;141;p18"/>
           <p:cNvSpPr txBox="1"/>
           <p:nvPr>
             <p:ph type="title"/>
@@ -18101,7 +18168,7 @@
   <p:cSld>
     <p:spTree>
       <p:nvGrpSpPr>
-        <p:cNvPr id="143" name="Shape 143"/>
+        <p:cNvPr id="145" name="Shape 145"/>
         <p:cNvGrpSpPr/>
         <p:nvPr/>
       </p:nvGrpSpPr>
@@ -18115,7 +18182,7 @@
       </p:grpSpPr>
       <p:pic>
         <p:nvPicPr>
-          <p:cNvPr id="144" name="Google Shape;144;p19"/>
+          <p:cNvPr id="146" name="Google Shape;146;p19"/>
           <p:cNvPicPr preferRelativeResize="0"/>
           <p:nvPr/>
         </p:nvPicPr>
@@ -18143,7 +18210,7 @@
       </p:pic>
       <p:sp>
         <p:nvSpPr>
-          <p:cNvPr id="145" name="Google Shape;145;p19"/>
+          <p:cNvPr id="147" name="Google Shape;147;p19"/>
           <p:cNvSpPr txBox="1"/>
           <p:nvPr>
             <p:ph type="title"/>
@@ -18206,7 +18273,7 @@
       </p:sp>
       <p:sp>
         <p:nvSpPr>
-          <p:cNvPr id="146" name="Google Shape;146;p19"/>
+          <p:cNvPr id="148" name="Google Shape;148;p19"/>
           <p:cNvSpPr txBox="1"/>
           <p:nvPr>
             <p:ph idx="12" type="sldNum"/>
@@ -18255,7 +18322,7 @@
       </p:sp>
       <p:sp>
         <p:nvSpPr>
-          <p:cNvPr id="147" name="Google Shape;147;p19"/>
+          <p:cNvPr id="149" name="Google Shape;149;p19"/>
           <p:cNvSpPr txBox="1"/>
           <p:nvPr/>
         </p:nvSpPr>
@@ -18313,7 +18380,7 @@
       </p:sp>
       <p:sp>
         <p:nvSpPr>
-          <p:cNvPr id="148" name="Google Shape;148;p19"/>
+          <p:cNvPr id="150" name="Google Shape;150;p19"/>
           <p:cNvSpPr txBox="1"/>
           <p:nvPr/>
         </p:nvSpPr>
@@ -18371,7 +18438,7 @@
       </p:sp>
       <p:pic>
         <p:nvPicPr>
-          <p:cNvPr id="149" name="Google Shape;149;p19"/>
+          <p:cNvPr id="151" name="Google Shape;151;p19"/>
           <p:cNvPicPr preferRelativeResize="0"/>
           <p:nvPr/>
         </p:nvPicPr>
@@ -18399,7 +18466,7 @@
       </p:pic>
       <p:pic>
         <p:nvPicPr>
-          <p:cNvPr id="150" name="Google Shape;150;p19"/>
+          <p:cNvPr id="152" name="Google Shape;152;p19"/>
           <p:cNvPicPr preferRelativeResize="0"/>
           <p:nvPr/>
         </p:nvPicPr>
@@ -18427,7 +18494,7 @@
       </p:pic>
       <p:sp>
         <p:nvSpPr>
-          <p:cNvPr id="151" name="Google Shape;151;p19"/>
+          <p:cNvPr id="153" name="Google Shape;153;p19"/>
           <p:cNvSpPr/>
           <p:nvPr/>
         </p:nvSpPr>
@@ -18479,7 +18546,7 @@
       </p:sp>
       <p:sp>
         <p:nvSpPr>
-          <p:cNvPr id="152" name="Google Shape;152;p19"/>
+          <p:cNvPr id="154" name="Google Shape;154;p19"/>
           <p:cNvSpPr/>
           <p:nvPr/>
         </p:nvSpPr>
@@ -18531,7 +18598,7 @@
       </p:sp>
       <p:pic>
         <p:nvPicPr>
-          <p:cNvPr id="153" name="Google Shape;153;p19"/>
+          <p:cNvPr id="155" name="Google Shape;155;p19"/>
           <p:cNvPicPr preferRelativeResize="0"/>
           <p:nvPr/>
         </p:nvPicPr>
@@ -18558,7 +18625,7 @@
       </p:pic>
       <p:sp>
         <p:nvSpPr>
-          <p:cNvPr id="154" name="Google Shape;154;p19"/>
+          <p:cNvPr id="156" name="Google Shape;156;p19"/>
           <p:cNvSpPr/>
           <p:nvPr/>
         </p:nvSpPr>
